--- a/Documentation/Affiche_manetteAdaptee.pptx
+++ b/Documentation/Affiche_manetteAdaptee.pptx
@@ -490,7 +490,7 @@
           <a:p>
             <a:fld id="{C78C5D03-9AEF-44B4-8CA1-48FF52E50F22}" type="datetimeFigureOut">
               <a:rPr lang="fr-CA" smtClean="0"/>
-              <a:t>2022-12-19</a:t>
+              <a:t>2023-01-26</a:t>
             </a:fld>
             <a:endParaRPr lang="fr-CA"/>
           </a:p>
@@ -690,7 +690,7 @@
           <a:p>
             <a:fld id="{C78C5D03-9AEF-44B4-8CA1-48FF52E50F22}" type="datetimeFigureOut">
               <a:rPr lang="fr-CA" smtClean="0"/>
-              <a:t>2022-12-19</a:t>
+              <a:t>2023-01-26</a:t>
             </a:fld>
             <a:endParaRPr lang="fr-CA"/>
           </a:p>
@@ -900,7 +900,7 @@
           <a:p>
             <a:fld id="{C78C5D03-9AEF-44B4-8CA1-48FF52E50F22}" type="datetimeFigureOut">
               <a:rPr lang="fr-CA" smtClean="0"/>
-              <a:t>2022-12-19</a:t>
+              <a:t>2023-01-26</a:t>
             </a:fld>
             <a:endParaRPr lang="fr-CA"/>
           </a:p>
@@ -1100,7 +1100,7 @@
           <a:p>
             <a:fld id="{C78C5D03-9AEF-44B4-8CA1-48FF52E50F22}" type="datetimeFigureOut">
               <a:rPr lang="fr-CA" smtClean="0"/>
-              <a:t>2022-12-19</a:t>
+              <a:t>2023-01-26</a:t>
             </a:fld>
             <a:endParaRPr lang="fr-CA"/>
           </a:p>
@@ -1376,7 +1376,7 @@
           <a:p>
             <a:fld id="{C78C5D03-9AEF-44B4-8CA1-48FF52E50F22}" type="datetimeFigureOut">
               <a:rPr lang="fr-CA" smtClean="0"/>
-              <a:t>2022-12-19</a:t>
+              <a:t>2023-01-26</a:t>
             </a:fld>
             <a:endParaRPr lang="fr-CA"/>
           </a:p>
@@ -1644,7 +1644,7 @@
           <a:p>
             <a:fld id="{C78C5D03-9AEF-44B4-8CA1-48FF52E50F22}" type="datetimeFigureOut">
               <a:rPr lang="fr-CA" smtClean="0"/>
-              <a:t>2022-12-19</a:t>
+              <a:t>2023-01-26</a:t>
             </a:fld>
             <a:endParaRPr lang="fr-CA"/>
           </a:p>
@@ -2059,7 +2059,7 @@
           <a:p>
             <a:fld id="{C78C5D03-9AEF-44B4-8CA1-48FF52E50F22}" type="datetimeFigureOut">
               <a:rPr lang="fr-CA" smtClean="0"/>
-              <a:t>2022-12-19</a:t>
+              <a:t>2023-01-26</a:t>
             </a:fld>
             <a:endParaRPr lang="fr-CA"/>
           </a:p>
@@ -2201,7 +2201,7 @@
           <a:p>
             <a:fld id="{C78C5D03-9AEF-44B4-8CA1-48FF52E50F22}" type="datetimeFigureOut">
               <a:rPr lang="fr-CA" smtClean="0"/>
-              <a:t>2022-12-19</a:t>
+              <a:t>2023-01-26</a:t>
             </a:fld>
             <a:endParaRPr lang="fr-CA"/>
           </a:p>
@@ -2314,7 +2314,7 @@
           <a:p>
             <a:fld id="{C78C5D03-9AEF-44B4-8CA1-48FF52E50F22}" type="datetimeFigureOut">
               <a:rPr lang="fr-CA" smtClean="0"/>
-              <a:t>2022-12-19</a:t>
+              <a:t>2023-01-26</a:t>
             </a:fld>
             <a:endParaRPr lang="fr-CA"/>
           </a:p>
@@ -2627,7 +2627,7 @@
           <a:p>
             <a:fld id="{C78C5D03-9AEF-44B4-8CA1-48FF52E50F22}" type="datetimeFigureOut">
               <a:rPr lang="fr-CA" smtClean="0"/>
-              <a:t>2022-12-19</a:t>
+              <a:t>2023-01-26</a:t>
             </a:fld>
             <a:endParaRPr lang="fr-CA"/>
           </a:p>
@@ -2916,7 +2916,7 @@
           <a:p>
             <a:fld id="{C78C5D03-9AEF-44B4-8CA1-48FF52E50F22}" type="datetimeFigureOut">
               <a:rPr lang="fr-CA" smtClean="0"/>
-              <a:t>2022-12-19</a:t>
+              <a:t>2023-01-26</a:t>
             </a:fld>
             <a:endParaRPr lang="fr-CA"/>
           </a:p>
@@ -3159,7 +3159,7 @@
           <a:p>
             <a:fld id="{C78C5D03-9AEF-44B4-8CA1-48FF52E50F22}" type="datetimeFigureOut">
               <a:rPr lang="fr-CA" smtClean="0"/>
-              <a:t>2022-12-19</a:t>
+              <a:t>2023-01-26</a:t>
             </a:fld>
             <a:endParaRPr lang="fr-CA"/>
           </a:p>
@@ -3576,6 +3576,51 @@
           <a:chExt cx="0" cy="0"/>
         </a:xfrm>
       </p:grpSpPr>
+      <p:pic>
+        <p:nvPicPr>
+          <p:cNvPr id="21" name="Picture 2" descr="Touret - Centre de services scolaire de la Région-de-Sherbrooke">
+            <a:extLst>
+              <a:ext uri="{FF2B5EF4-FFF2-40B4-BE49-F238E27FC236}">
+                <a16:creationId xmlns:a16="http://schemas.microsoft.com/office/drawing/2014/main" id="{F3D1B8E5-D8F7-66DD-14E1-2C1A3E2E047B}"/>
+              </a:ext>
+            </a:extLst>
+          </p:cNvPr>
+          <p:cNvPicPr>
+            <a:picLocks noChangeAspect="1" noChangeArrowheads="1"/>
+          </p:cNvPicPr>
+          <p:nvPr/>
+        </p:nvPicPr>
+        <p:blipFill rotWithShape="1">
+          <a:blip r:embed="rId2">
+            <a:extLst>
+              <a:ext uri="{28A0092B-C50C-407E-A947-70E740481C1C}">
+                <a14:useLocalDpi xmlns:a14="http://schemas.microsoft.com/office/drawing/2010/main" val="0"/>
+              </a:ext>
+            </a:extLst>
+          </a:blip>
+          <a:srcRect l="12990" t="17205" r="13514" b="19763"/>
+          <a:stretch/>
+        </p:blipFill>
+        <p:spPr bwMode="auto">
+          <a:xfrm>
+            <a:off x="3653588" y="6180045"/>
+            <a:ext cx="1264846" cy="625822"/>
+          </a:xfrm>
+          <a:prstGeom prst="rect">
+            <a:avLst/>
+          </a:prstGeom>
+          <a:noFill/>
+          <a:extLst>
+            <a:ext uri="{909E8E84-426E-40DD-AFC4-6F175D3DCCD1}">
+              <a14:hiddenFill xmlns:a14="http://schemas.microsoft.com/office/drawing/2010/main">
+                <a:solidFill>
+                  <a:srgbClr val="FFFFFF"/>
+                </a:solidFill>
+              </a14:hiddenFill>
+            </a:ext>
+          </a:extLst>
+        </p:spPr>
+      </p:pic>
       <p:sp>
         <p:nvSpPr>
           <p:cNvPr id="10" name="Rectangle 9">
@@ -3590,7 +3635,7 @@
         </p:nvSpPr>
         <p:spPr>
           <a:xfrm rot="2955730">
-            <a:off x="2613694" y="452816"/>
+            <a:off x="2549354" y="475353"/>
             <a:ext cx="12075120" cy="4020306"/>
           </a:xfrm>
           <a:prstGeom prst="rect">
@@ -3649,7 +3694,7 @@
         </p:nvSpPr>
         <p:spPr>
           <a:xfrm rot="2936760">
-            <a:off x="3466199" y="-1500305"/>
+            <a:off x="3461280" y="-1456055"/>
             <a:ext cx="11932933" cy="6169071"/>
           </a:xfrm>
           <a:prstGeom prst="rect">
@@ -3708,7 +3753,7 @@
           <p:nvPr/>
         </p:nvPicPr>
         <p:blipFill>
-          <a:blip r:embed="rId2">
+          <a:blip r:embed="rId3">
             <a:extLst>
               <a:ext uri="{28A0092B-C50C-407E-A947-70E740481C1C}">
                 <a14:useLocalDpi xmlns:a14="http://schemas.microsoft.com/office/drawing/2010/main" val="0"/>
@@ -3744,7 +3789,7 @@
           <p:nvPr/>
         </p:nvPicPr>
         <p:blipFill>
-          <a:blip r:embed="rId3">
+          <a:blip r:embed="rId4">
             <a:extLst>
               <a:ext uri="{28A0092B-C50C-407E-A947-70E740481C1C}">
                 <a14:useLocalDpi xmlns:a14="http://schemas.microsoft.com/office/drawing/2010/main" val="0"/>
@@ -3790,7 +3835,7 @@
         </p:nvSpPr>
         <p:spPr>
           <a:xfrm>
-            <a:off x="5384939" y="296480"/>
+            <a:off x="5384939" y="52781"/>
             <a:ext cx="8665180" cy="830997"/>
           </a:xfrm>
           <a:prstGeom prst="rect">
@@ -3829,7 +3874,7 @@
           <p:nvPr/>
         </p:nvPicPr>
         <p:blipFill>
-          <a:blip r:embed="rId4"/>
+          <a:blip r:embed="rId5"/>
           <a:stretch>
             <a:fillRect/>
           </a:stretch>
@@ -3859,7 +3904,7 @@
           <p:nvPr/>
         </p:nvPicPr>
         <p:blipFill>
-          <a:blip r:embed="rId5">
+          <a:blip r:embed="rId6">
             <a:extLst>
               <a:ext uri="{28A0092B-C50C-407E-A947-70E740481C1C}">
                 <a14:useLocalDpi xmlns:a14="http://schemas.microsoft.com/office/drawing/2010/main" val="0"/>
@@ -3991,128 +4036,22 @@
           </a:p>
         </p:txBody>
       </p:sp>
-      <p:pic>
-        <p:nvPicPr>
-          <p:cNvPr id="19" name="Image 18">
-            <a:extLst>
-              <a:ext uri="{FF2B5EF4-FFF2-40B4-BE49-F238E27FC236}">
-                <a16:creationId xmlns:a16="http://schemas.microsoft.com/office/drawing/2014/main" id="{90709AFD-DAF5-D41C-62A2-8D7A222698FA}"/>
-              </a:ext>
-            </a:extLst>
-          </p:cNvPr>
-          <p:cNvPicPr>
-            <a:picLocks noChangeAspect="1"/>
-          </p:cNvPicPr>
+      <p:sp>
+        <p:nvSpPr>
+          <p:cNvPr id="20" name="Rectangle 19">
+            <a:extLst>
+              <a:ext uri="{FF2B5EF4-FFF2-40B4-BE49-F238E27FC236}">
+                <a16:creationId xmlns:a16="http://schemas.microsoft.com/office/drawing/2014/main" id="{3CAEB580-BC45-88FB-9CE2-027A2C96FB94}"/>
+              </a:ext>
+            </a:extLst>
+          </p:cNvPr>
+          <p:cNvSpPr/>
           <p:nvPr/>
-        </p:nvPicPr>
-        <p:blipFill>
-          <a:blip r:embed="rId6">
-            <a:extLst>
-              <a:ext uri="{28A0092B-C50C-407E-A947-70E740481C1C}">
-                <a14:useLocalDpi xmlns:a14="http://schemas.microsoft.com/office/drawing/2010/main" val="0"/>
-              </a:ext>
-            </a:extLst>
-          </a:blip>
-          <a:stretch>
-            <a:fillRect/>
-          </a:stretch>
-        </p:blipFill>
+        </p:nvSpPr>
         <p:spPr>
           <a:xfrm>
-            <a:off x="4983009" y="1613457"/>
-            <a:ext cx="1583282" cy="1583282"/>
-          </a:xfrm>
-          <a:prstGeom prst="ellipse">
-            <a:avLst/>
-          </a:prstGeom>
-          <a:ln w="63500" cap="rnd">
-            <a:solidFill>
-              <a:srgbClr val="333333"/>
-            </a:solidFill>
-          </a:ln>
-          <a:effectLst>
-            <a:outerShdw blurRad="381000" dist="292100" dir="5400000" sx="-80000" sy="-18000" rotWithShape="0">
-              <a:srgbClr val="000000">
-                <a:alpha val="22000"/>
-              </a:srgbClr>
-            </a:outerShdw>
-          </a:effectLst>
-          <a:scene3d>
-            <a:camera prst="orthographicFront"/>
-            <a:lightRig rig="contrasting" dir="t">
-              <a:rot lat="0" lon="0" rev="3000000"/>
-            </a:lightRig>
-          </a:scene3d>
-          <a:sp3d contourW="7620">
-            <a:bevelT w="95250" h="31750"/>
-            <a:contourClr>
-              <a:srgbClr val="333333"/>
-            </a:contourClr>
-          </a:sp3d>
-        </p:spPr>
-      </p:pic>
-      <p:sp>
-        <p:nvSpPr>
-          <p:cNvPr id="20" name="Rectangle 19">
-            <a:extLst>
-              <a:ext uri="{FF2B5EF4-FFF2-40B4-BE49-F238E27FC236}">
-                <a16:creationId xmlns:a16="http://schemas.microsoft.com/office/drawing/2014/main" id="{3CAEB580-BC45-88FB-9CE2-027A2C96FB94}"/>
-              </a:ext>
-            </a:extLst>
-          </p:cNvPr>
-          <p:cNvSpPr/>
-          <p:nvPr/>
-        </p:nvSpPr>
-        <p:spPr>
-          <a:xfrm>
-            <a:off x="6882814" y="3401859"/>
+            <a:off x="6882813" y="3476496"/>
             <a:ext cx="3582362" cy="2334934"/>
-          </a:xfrm>
-          <a:prstGeom prst="rect">
-            <a:avLst/>
-          </a:prstGeom>
-        </p:spPr>
-        <p:style>
-          <a:lnRef idx="2">
-            <a:schemeClr val="dk1">
-              <a:shade val="50000"/>
-            </a:schemeClr>
-          </a:lnRef>
-          <a:fillRef idx="1">
-            <a:schemeClr val="dk1"/>
-          </a:fillRef>
-          <a:effectRef idx="0">
-            <a:schemeClr val="dk1"/>
-          </a:effectRef>
-          <a:fontRef idx="minor">
-            <a:schemeClr val="lt1"/>
-          </a:fontRef>
-        </p:style>
-        <p:txBody>
-          <a:bodyPr rtlCol="0" anchor="ctr"/>
-          <a:lstStyle/>
-          <a:p>
-            <a:pPr algn="ctr"/>
-            <a:endParaRPr lang="fr-CA"/>
-          </a:p>
-        </p:txBody>
-      </p:sp>
-      <p:sp>
-        <p:nvSpPr>
-          <p:cNvPr id="23" name="Rectangle 22">
-            <a:extLst>
-              <a:ext uri="{FF2B5EF4-FFF2-40B4-BE49-F238E27FC236}">
-                <a16:creationId xmlns:a16="http://schemas.microsoft.com/office/drawing/2014/main" id="{E8BCFF4C-5D0C-0A42-233D-E17F0E3D8F4C}"/>
-              </a:ext>
-            </a:extLst>
-          </p:cNvPr>
-          <p:cNvSpPr/>
-          <p:nvPr/>
-        </p:nvSpPr>
-        <p:spPr>
-          <a:xfrm>
-            <a:off x="6857691" y="3401859"/>
-            <a:ext cx="1707126" cy="2334934"/>
           </a:xfrm>
           <a:prstGeom prst="rect">
             <a:avLst/>
@@ -4295,7 +4234,7 @@
         </p:blipFill>
         <p:spPr>
           <a:xfrm>
-            <a:off x="6923240" y="1826793"/>
+            <a:off x="6855357" y="1800330"/>
             <a:ext cx="264713" cy="264079"/>
           </a:xfrm>
           <a:prstGeom prst="rect">
@@ -4317,7 +4256,7 @@
         </p:nvSpPr>
         <p:spPr>
           <a:xfrm>
-            <a:off x="7187955" y="2268214"/>
+            <a:off x="7120072" y="2158085"/>
             <a:ext cx="5232402" cy="646331"/>
           </a:xfrm>
           <a:prstGeom prst="rect">
@@ -4354,7 +4293,7 @@
         </p:nvSpPr>
         <p:spPr>
           <a:xfrm>
-            <a:off x="7187954" y="1620355"/>
+            <a:off x="7120071" y="1593892"/>
             <a:ext cx="4438775" cy="646331"/>
           </a:xfrm>
           <a:prstGeom prst="rect">
@@ -4391,8 +4330,8 @@
         </p:nvSpPr>
         <p:spPr>
           <a:xfrm>
-            <a:off x="5384938" y="1088916"/>
-            <a:ext cx="6438762" cy="409684"/>
+            <a:off x="-1850595" y="-483486"/>
+            <a:ext cx="6438762" cy="307777"/>
           </a:xfrm>
           <a:prstGeom prst="rect">
             <a:avLst/>
@@ -4407,7 +4346,7 @@
           <a:p>
             <a:pPr algn="ctr"/>
             <a:r>
-              <a:rPr lang="fr-CA" sz="2000" dirty="0">
+              <a:rPr lang="fr-CA" sz="1400" dirty="0">
                 <a:latin typeface="Gill Sans Ultra Bold" panose="020B0A02020104020203" pitchFamily="34" charset="0"/>
               </a:rPr>
               <a:t>Projet pour l’école du Touret</a:t>
@@ -4445,36 +4384,6 @@
           <a:xfrm>
             <a:off x="-95289" y="6251733"/>
             <a:ext cx="3684208" cy="606267"/>
-          </a:xfrm>
-          <a:prstGeom prst="rect">
-            <a:avLst/>
-          </a:prstGeom>
-        </p:spPr>
-      </p:pic>
-      <p:pic>
-        <p:nvPicPr>
-          <p:cNvPr id="35" name="Image 34">
-            <a:extLst>
-              <a:ext uri="{FF2B5EF4-FFF2-40B4-BE49-F238E27FC236}">
-                <a16:creationId xmlns:a16="http://schemas.microsoft.com/office/drawing/2014/main" id="{B35FDAC5-4473-732F-8275-E8A0A0FD1CDE}"/>
-              </a:ext>
-            </a:extLst>
-          </p:cNvPr>
-          <p:cNvPicPr>
-            <a:picLocks noChangeAspect="1"/>
-          </p:cNvPicPr>
-          <p:nvPr/>
-        </p:nvPicPr>
-        <p:blipFill>
-          <a:blip r:embed="rId9"/>
-          <a:stretch>
-            <a:fillRect/>
-          </a:stretch>
-        </p:blipFill>
-        <p:spPr>
-          <a:xfrm>
-            <a:off x="1597023" y="-22623"/>
-            <a:ext cx="1962031" cy="1962031"/>
           </a:xfrm>
           <a:prstGeom prst="rect">
             <a:avLst/>
@@ -4555,7 +4464,7 @@
         </p:blipFill>
         <p:spPr>
           <a:xfrm>
-            <a:off x="6923240" y="2489964"/>
+            <a:off x="6855357" y="2379835"/>
             <a:ext cx="264713" cy="264079"/>
           </a:xfrm>
           <a:prstGeom prst="rect">
@@ -4578,7 +4487,7 @@
           <p:nvPr/>
         </p:nvPicPr>
         <p:blipFill>
-          <a:blip r:embed="rId10">
+          <a:blip r:embed="rId9">
             <a:extLst>
               <a:ext uri="{28A0092B-C50C-407E-A947-70E740481C1C}">
                 <a14:useLocalDpi xmlns:a14="http://schemas.microsoft.com/office/drawing/2010/main" val="0"/>
@@ -4625,7 +4534,7 @@
           <p:nvPr/>
         </p:nvPicPr>
         <p:blipFill>
-          <a:blip r:embed="rId11">
+          <a:blip r:embed="rId10">
             <a:extLst>
               <a:ext uri="{28A0092B-C50C-407E-A947-70E740481C1C}">
                 <a14:useLocalDpi xmlns:a14="http://schemas.microsoft.com/office/drawing/2010/main" val="0"/>
@@ -4660,7 +4569,7 @@
         </p:nvSpPr>
         <p:spPr>
           <a:xfrm>
-            <a:off x="7187955" y="2951394"/>
+            <a:off x="7120074" y="2802862"/>
             <a:ext cx="2920379" cy="381582"/>
           </a:xfrm>
           <a:prstGeom prst="rect">
@@ -4711,7 +4620,7 @@
         </p:blipFill>
         <p:spPr>
           <a:xfrm>
-            <a:off x="6923240" y="2983428"/>
+            <a:off x="6855359" y="2834896"/>
             <a:ext cx="264713" cy="264079"/>
           </a:xfrm>
           <a:prstGeom prst="rect">
@@ -4734,7 +4643,7 @@
           <p:nvPr/>
         </p:nvPicPr>
         <p:blipFill>
-          <a:blip r:embed="rId12">
+          <a:blip r:embed="rId11">
             <a:extLst>
               <a:ext uri="{28A0092B-C50C-407E-A947-70E740481C1C}">
                 <a14:useLocalDpi xmlns:a14="http://schemas.microsoft.com/office/drawing/2010/main" val="0"/>
@@ -4747,7 +4656,7 @@
         </p:blipFill>
         <p:spPr>
           <a:xfrm>
-            <a:off x="7012850" y="3522565"/>
+            <a:off x="7012850" y="3599856"/>
             <a:ext cx="3316098" cy="2088214"/>
           </a:xfrm>
           <a:prstGeom prst="rect">
@@ -4755,6 +4664,208 @@
           </a:prstGeom>
         </p:spPr>
       </p:pic>
+      <p:grpSp>
+        <p:nvGrpSpPr>
+          <p:cNvPr id="2" name="Groupe 1">
+            <a:extLst>
+              <a:ext uri="{FF2B5EF4-FFF2-40B4-BE49-F238E27FC236}">
+                <a16:creationId xmlns:a16="http://schemas.microsoft.com/office/drawing/2014/main" id="{5CC5C8F4-C60D-E918-E2E3-859AB04AB8DC}"/>
+              </a:ext>
+            </a:extLst>
+          </p:cNvPr>
+          <p:cNvGrpSpPr/>
+          <p:nvPr/>
+        </p:nvGrpSpPr>
+        <p:grpSpPr>
+          <a:xfrm>
+            <a:off x="5226504" y="1724212"/>
+            <a:ext cx="1478078" cy="1449390"/>
+            <a:chOff x="1755007" y="304590"/>
+            <a:chExt cx="4010981" cy="4010981"/>
+          </a:xfrm>
+        </p:grpSpPr>
+        <p:pic>
+          <p:nvPicPr>
+            <p:cNvPr id="7" name="Image 6">
+              <a:extLst>
+                <a:ext uri="{FF2B5EF4-FFF2-40B4-BE49-F238E27FC236}">
+                  <a16:creationId xmlns:a16="http://schemas.microsoft.com/office/drawing/2014/main" id="{35A3435E-A447-E6EF-DC3E-DA0B91FB5EC5}"/>
+                </a:ext>
+              </a:extLst>
+            </p:cNvPr>
+            <p:cNvPicPr>
+              <a:picLocks noChangeAspect="1"/>
+            </p:cNvPicPr>
+            <p:nvPr/>
+          </p:nvPicPr>
+          <p:blipFill>
+            <a:blip r:embed="rId12">
+              <a:extLst>
+                <a:ext uri="{28A0092B-C50C-407E-A947-70E740481C1C}">
+                  <a14:useLocalDpi xmlns:a14="http://schemas.microsoft.com/office/drawing/2010/main" val="0"/>
+                </a:ext>
+              </a:extLst>
+            </a:blip>
+            <a:stretch>
+              <a:fillRect/>
+            </a:stretch>
+          </p:blipFill>
+          <p:spPr>
+            <a:xfrm>
+              <a:off x="1755007" y="304590"/>
+              <a:ext cx="4010981" cy="4010981"/>
+            </a:xfrm>
+            <a:prstGeom prst="ellipse">
+              <a:avLst/>
+            </a:prstGeom>
+            <a:ln w="63500" cap="rnd">
+              <a:solidFill>
+                <a:srgbClr val="333333"/>
+              </a:solidFill>
+            </a:ln>
+            <a:effectLst>
+              <a:outerShdw blurRad="381000" dist="292100" dir="5400000" sx="-80000" sy="-18000" rotWithShape="0">
+                <a:srgbClr val="000000">
+                  <a:alpha val="0"/>
+                </a:srgbClr>
+              </a:outerShdw>
+            </a:effectLst>
+            <a:scene3d>
+              <a:camera prst="orthographicFront"/>
+              <a:lightRig rig="contrasting" dir="t">
+                <a:rot lat="0" lon="0" rev="3000000"/>
+              </a:lightRig>
+            </a:scene3d>
+            <a:sp3d contourW="7620">
+              <a:bevelT w="95250" h="31750"/>
+              <a:contourClr>
+                <a:srgbClr val="333333"/>
+              </a:contourClr>
+            </a:sp3d>
+          </p:spPr>
+        </p:pic>
+        <p:pic>
+          <p:nvPicPr>
+            <p:cNvPr id="8" name="Image 7">
+              <a:extLst>
+                <a:ext uri="{FF2B5EF4-FFF2-40B4-BE49-F238E27FC236}">
+                  <a16:creationId xmlns:a16="http://schemas.microsoft.com/office/drawing/2014/main" id="{45E8E435-C1BB-8D5C-18F7-1C2913B250A2}"/>
+                </a:ext>
+              </a:extLst>
+            </p:cNvPr>
+            <p:cNvPicPr>
+              <a:picLocks noChangeAspect="1"/>
+            </p:cNvPicPr>
+            <p:nvPr/>
+          </p:nvPicPr>
+          <p:blipFill>
+            <a:blip r:embed="rId13">
+              <a:extLst>
+                <a:ext uri="{28A0092B-C50C-407E-A947-70E740481C1C}">
+                  <a14:useLocalDpi xmlns:a14="http://schemas.microsoft.com/office/drawing/2010/main" val="0"/>
+                </a:ext>
+              </a:extLst>
+            </a:blip>
+            <a:stretch>
+              <a:fillRect/>
+            </a:stretch>
+          </p:blipFill>
+          <p:spPr>
+            <a:xfrm>
+              <a:off x="3340105" y="2931320"/>
+              <a:ext cx="840784" cy="959074"/>
+            </a:xfrm>
+            <a:prstGeom prst="rect">
+              <a:avLst/>
+            </a:prstGeom>
+          </p:spPr>
+        </p:pic>
+      </p:grpSp>
+      <p:pic>
+        <p:nvPicPr>
+          <p:cNvPr id="13" name="Picture 8" descr="Pc - Free computer icons">
+            <a:extLst>
+              <a:ext uri="{FF2B5EF4-FFF2-40B4-BE49-F238E27FC236}">
+                <a16:creationId xmlns:a16="http://schemas.microsoft.com/office/drawing/2014/main" id="{FC0D2BCA-887E-74E5-CAE9-DA168AC314D0}"/>
+              </a:ext>
+            </a:extLst>
+          </p:cNvPr>
+          <p:cNvPicPr>
+            <a:picLocks noChangeAspect="1" noChangeArrowheads="1"/>
+          </p:cNvPicPr>
+          <p:nvPr/>
+        </p:nvPicPr>
+        <p:blipFill>
+          <a:blip r:embed="rId14">
+            <a:extLst>
+              <a:ext uri="{28A0092B-C50C-407E-A947-70E740481C1C}">
+                <a14:useLocalDpi xmlns:a14="http://schemas.microsoft.com/office/drawing/2010/main" val="0"/>
+              </a:ext>
+            </a:extLst>
+          </a:blip>
+          <a:srcRect/>
+          <a:stretch>
+            <a:fillRect/>
+          </a:stretch>
+        </p:blipFill>
+        <p:spPr bwMode="auto">
+          <a:xfrm>
+            <a:off x="1519090" y="-66783"/>
+            <a:ext cx="2069829" cy="2069829"/>
+          </a:xfrm>
+          <a:prstGeom prst="rect">
+            <a:avLst/>
+          </a:prstGeom>
+          <a:noFill/>
+          <a:extLst>
+            <a:ext uri="{909E8E84-426E-40DD-AFC4-6F175D3DCCD1}">
+              <a14:hiddenFill xmlns:a14="http://schemas.microsoft.com/office/drawing/2010/main">
+                <a:solidFill>
+                  <a:srgbClr val="FFFFFF"/>
+                </a:solidFill>
+              </a14:hiddenFill>
+            </a:ext>
+          </a:extLst>
+        </p:spPr>
+      </p:pic>
+      <p:sp>
+        <p:nvSpPr>
+          <p:cNvPr id="18" name="ZoneTexte 17">
+            <a:extLst>
+              <a:ext uri="{FF2B5EF4-FFF2-40B4-BE49-F238E27FC236}">
+                <a16:creationId xmlns:a16="http://schemas.microsoft.com/office/drawing/2014/main" id="{1DFF3DC8-94C2-D8C7-9EE2-B238CB5CA720}"/>
+              </a:ext>
+            </a:extLst>
+          </p:cNvPr>
+          <p:cNvSpPr txBox="1"/>
+          <p:nvPr/>
+        </p:nvSpPr>
+        <p:spPr>
+          <a:xfrm>
+            <a:off x="5384938" y="799629"/>
+            <a:ext cx="6438762" cy="584775"/>
+          </a:xfrm>
+          <a:prstGeom prst="rect">
+            <a:avLst/>
+          </a:prstGeom>
+          <a:noFill/>
+        </p:spPr>
+        <p:txBody>
+          <a:bodyPr wrap="square" rtlCol="0">
+            <a:spAutoFit/>
+          </a:bodyPr>
+          <a:lstStyle/>
+          <a:p>
+            <a:pPr algn="ctr"/>
+            <a:r>
+              <a:rPr lang="fr-CA" sz="3200" dirty="0">
+                <a:latin typeface="Gill Sans Ultra Bold" panose="020B0A02020104020203" pitchFamily="34" charset="0"/>
+              </a:rPr>
+              <a:t>JOUER SANS LIMITE</a:t>
+            </a:r>
+          </a:p>
+        </p:txBody>
+      </p:sp>
     </p:spTree>
     <p:extLst>
       <p:ext uri="{BB962C8B-B14F-4D97-AF65-F5344CB8AC3E}">
@@ -5064,21 +5175,6 @@
 </file>
 
 <file path=customXml/item1.xml><?xml version="1.0" encoding="utf-8"?>
-<p:properties xmlns:p="http://schemas.microsoft.com/office/2006/metadata/properties" xmlns:xsi="http://www.w3.org/2001/XMLSchema-instance" xmlns:pc="http://schemas.microsoft.com/office/infopath/2007/PartnerControls">
-  <documentManagement/>
-</p:properties>
-</file>
-
-<file path=customXml/item2.xml><?xml version="1.0" encoding="utf-8"?>
-<?mso-contentType ?>
-<FormTemplates xmlns="http://schemas.microsoft.com/sharepoint/v3/contenttype/forms">
-  <Display>DocumentLibraryForm</Display>
-  <Edit>DocumentLibraryForm</Edit>
-  <New>DocumentLibraryForm</New>
-</FormTemplates>
-</file>
-
-<file path=customXml/item3.xml><?xml version="1.0" encoding="utf-8"?>
 <ct:contentTypeSchema xmlns:ct="http://schemas.microsoft.com/office/2006/metadata/contentType" xmlns:ma="http://schemas.microsoft.com/office/2006/metadata/properties/metaAttributes" ct:_="" ma:_="" ma:contentTypeName="Document" ma:contentTypeID="0x01010099CCD8DD78CB75478FB7A49606877AA1" ma:contentTypeVersion="2" ma:contentTypeDescription="Crée un document." ma:contentTypeScope="" ma:versionID="a24462d5e0c1d66b33a9f1cc3b90736f">
   <xsd:schema xmlns:xsd="http://www.w3.org/2001/XMLSchema" xmlns:xs="http://www.w3.org/2001/XMLSchema" xmlns:p="http://schemas.microsoft.com/office/2006/metadata/properties" xmlns:ns2="59f032a8-2326-4110-a897-48ad6ab7eae4" targetNamespace="http://schemas.microsoft.com/office/2006/metadata/properties" ma:root="true" ma:fieldsID="c0c5f6991bd473b11ddc278ad5b4baea" ns2:_="">
     <xsd:import namespace="59f032a8-2326-4110-a897-48ad6ab7eae4"/>
@@ -5210,31 +5306,22 @@
 </ct:contentTypeSchema>
 </file>
 
-<file path=customXml/itemProps1.xml><?xml version="1.0" encoding="utf-8"?>
-<ds:datastoreItem xmlns:ds="http://schemas.openxmlformats.org/officeDocument/2006/customXml" ds:itemID="{38DBE64A-838C-4B7A-BED8-B845E833E6FB}">
-  <ds:schemaRefs>
-    <ds:schemaRef ds:uri="http://schemas.microsoft.com/office/2006/metadata/properties"/>
-    <ds:schemaRef ds:uri="http://purl.org/dc/terms/"/>
-    <ds:schemaRef ds:uri="http://purl.org/dc/elements/1.1/"/>
-    <ds:schemaRef ds:uri="http://purl.org/dc/dcmitype/"/>
-    <ds:schemaRef ds:uri="http://schemas.microsoft.com/office/2006/documentManagement/types"/>
-    <ds:schemaRef ds:uri="http://schemas.microsoft.com/office/infopath/2007/PartnerControls"/>
-    <ds:schemaRef ds:uri="http://schemas.openxmlformats.org/package/2006/metadata/core-properties"/>
-    <ds:schemaRef ds:uri="59f032a8-2326-4110-a897-48ad6ab7eae4"/>
-    <ds:schemaRef ds:uri="http://www.w3.org/XML/1998/namespace"/>
-  </ds:schemaRefs>
-</ds:datastoreItem>
+<file path=customXml/item2.xml><?xml version="1.0" encoding="utf-8"?>
+<?mso-contentType ?>
+<FormTemplates xmlns="http://schemas.microsoft.com/sharepoint/v3/contenttype/forms">
+  <Display>DocumentLibraryForm</Display>
+  <Edit>DocumentLibraryForm</Edit>
+  <New>DocumentLibraryForm</New>
+</FormTemplates>
 </file>
 
-<file path=customXml/itemProps2.xml><?xml version="1.0" encoding="utf-8"?>
-<ds:datastoreItem xmlns:ds="http://schemas.openxmlformats.org/officeDocument/2006/customXml" ds:itemID="{4669BD0A-57C3-4D81-BE60-358614959133}">
-  <ds:schemaRefs>
-    <ds:schemaRef ds:uri="http://schemas.microsoft.com/sharepoint/v3/contenttype/forms"/>
-  </ds:schemaRefs>
-</ds:datastoreItem>
+<file path=customXml/item3.xml><?xml version="1.0" encoding="utf-8"?>
+<p:properties xmlns:p="http://schemas.microsoft.com/office/2006/metadata/properties" xmlns:xsi="http://www.w3.org/2001/XMLSchema-instance" xmlns:pc="http://schemas.microsoft.com/office/infopath/2007/PartnerControls">
+  <documentManagement/>
+</p:properties>
 </file>
 
-<file path=customXml/itemProps3.xml><?xml version="1.0" encoding="utf-8"?>
+<file path=customXml/itemProps1.xml><?xml version="1.0" encoding="utf-8"?>
 <ds:datastoreItem xmlns:ds="http://schemas.openxmlformats.org/officeDocument/2006/customXml" ds:itemID="{E91B60B5-73E2-4C85-96B7-4C2EB77A986F}">
   <ds:schemaRefs>
     <ds:schemaRef ds:uri="http://schemas.microsoft.com/office/2006/metadata/contentType"/>
@@ -5250,4 +5337,28 @@
     <ds:schemaRef ds:uri="http://schemas.microsoft.com/internal/obd"/>
   </ds:schemaRefs>
 </ds:datastoreItem>
+</file>
+
+<file path=customXml/itemProps2.xml><?xml version="1.0" encoding="utf-8"?>
+<ds:datastoreItem xmlns:ds="http://schemas.openxmlformats.org/officeDocument/2006/customXml" ds:itemID="{4669BD0A-57C3-4D81-BE60-358614959133}">
+  <ds:schemaRefs>
+    <ds:schemaRef ds:uri="http://schemas.microsoft.com/sharepoint/v3/contenttype/forms"/>
+  </ds:schemaRefs>
+</ds:datastoreItem>
+</file>
+
+<file path=customXml/itemProps3.xml><?xml version="1.0" encoding="utf-8"?>
+<ds:datastoreItem xmlns:ds="http://schemas.openxmlformats.org/officeDocument/2006/customXml" ds:itemID="{38DBE64A-838C-4B7A-BED8-B845E833E6FB}">
+  <ds:schemaRefs>
+    <ds:schemaRef ds:uri="http://schemas.microsoft.com/office/2006/metadata/properties"/>
+    <ds:schemaRef ds:uri="http://purl.org/dc/terms/"/>
+    <ds:schemaRef ds:uri="http://purl.org/dc/elements/1.1/"/>
+    <ds:schemaRef ds:uri="http://purl.org/dc/dcmitype/"/>
+    <ds:schemaRef ds:uri="http://schemas.microsoft.com/office/2006/documentManagement/types"/>
+    <ds:schemaRef ds:uri="http://schemas.microsoft.com/office/infopath/2007/PartnerControls"/>
+    <ds:schemaRef ds:uri="http://schemas.openxmlformats.org/package/2006/metadata/core-properties"/>
+    <ds:schemaRef ds:uri="59f032a8-2326-4110-a897-48ad6ab7eae4"/>
+    <ds:schemaRef ds:uri="http://www.w3.org/XML/1998/namespace"/>
+  </ds:schemaRefs>
+</ds:datastoreItem>
 </file>